--- a/Linear model inf weights possible/Präsentation1.pptx
+++ b/Linear model inf weights possible/Präsentation1.pptx
@@ -6,9 +6,10 @@
   </p:sldMasterIdLst>
   <p:sldIdLst>
     <p:sldId id="256" r:id="rId2"/>
-    <p:sldId id="257" r:id="rId3"/>
-    <p:sldId id="258" r:id="rId4"/>
-    <p:sldId id="259" r:id="rId5"/>
+    <p:sldId id="260" r:id="rId3"/>
+    <p:sldId id="257" r:id="rId4"/>
+    <p:sldId id="258" r:id="rId5"/>
+    <p:sldId id="259" r:id="rId6"/>
   </p:sldIdLst>
   <p:sldSz cx="12192000" cy="6858000"/>
   <p:notesSz cx="6858000" cy="9144000"/>
@@ -107,6 +108,11 @@
       </a:defRPr>
     </a:lvl9pPr>
   </p:defaultTextStyle>
+  <p:extLst>
+    <p:ext uri="{EFAFB233-063F-42B5-8137-9DF3F51BA10A}">
+      <p15:sldGuideLst xmlns:p15="http://schemas.microsoft.com/office/powerpoint/2012/main"/>
+    </p:ext>
+  </p:extLst>
 </p:presentation>
 </file>
 
@@ -3421,7 +3427,7 @@
           <p:cNvPr id="2" name="Titel 1">
             <a:extLst>
               <a:ext uri="{FF2B5EF4-FFF2-40B4-BE49-F238E27FC236}">
-                <a16:creationId xmlns:a16="http://schemas.microsoft.com/office/drawing/2014/main" id="{82BF0F72-18D1-48BA-97B9-760A21017AE6}"/>
+                <a16:creationId xmlns:a16="http://schemas.microsoft.com/office/drawing/2014/main" id="{E0FF34BE-B1B2-4CD1-A4F2-C57CD8FBAF81}"/>
               </a:ext>
             </a:extLst>
           </p:cNvPr>
@@ -3439,183 +3445,257 @@
           <a:p>
             <a:r>
               <a:rPr lang="de-DE" dirty="0"/>
-              <a:t>Korrelationen und Gewichte</a:t>
-            </a:r>
-          </a:p>
-        </p:txBody>
-      </p:sp>
-      <p:pic>
-        <p:nvPicPr>
-          <p:cNvPr id="6" name="Inhaltsplatzhalter 5">
-            <a:extLst>
-              <a:ext uri="{FF2B5EF4-FFF2-40B4-BE49-F238E27FC236}">
-                <a16:creationId xmlns:a16="http://schemas.microsoft.com/office/drawing/2014/main" id="{D2C7000F-FF86-492F-A28D-0307C272A2C4}"/>
-              </a:ext>
-            </a:extLst>
-          </p:cNvPr>
-          <p:cNvPicPr>
-            <a:picLocks noGrp="1" noChangeAspect="1"/>
-          </p:cNvPicPr>
+              <a:t>Possible Problems </a:t>
+            </a:r>
+            <a:r>
+              <a:rPr lang="de-DE" dirty="0" err="1"/>
+              <a:t>with</a:t>
+            </a:r>
+            <a:r>
+              <a:rPr lang="de-DE" dirty="0"/>
+              <a:t> </a:t>
+            </a:r>
+            <a:r>
+              <a:rPr lang="de-DE" dirty="0" err="1"/>
+              <a:t>viewing</a:t>
+            </a:r>
+            <a:r>
+              <a:rPr lang="de-DE" dirty="0"/>
+              <a:t> </a:t>
+            </a:r>
+            <a:r>
+              <a:rPr lang="de-DE" dirty="0" err="1"/>
+              <a:t>the</a:t>
+            </a:r>
+            <a:r>
+              <a:rPr lang="de-DE" dirty="0"/>
+              <a:t> </a:t>
+            </a:r>
+            <a:r>
+              <a:rPr lang="de-DE" dirty="0" err="1"/>
+              <a:t>weights</a:t>
+            </a:r>
+            <a:r>
+              <a:rPr lang="de-DE" dirty="0"/>
+              <a:t> </a:t>
+            </a:r>
+            <a:r>
+              <a:rPr lang="de-DE" dirty="0" err="1"/>
+              <a:t>only</a:t>
+            </a:r>
+            <a:r>
+              <a:rPr lang="de-DE" dirty="0"/>
+              <a:t> </a:t>
+            </a:r>
+          </a:p>
+        </p:txBody>
+      </p:sp>
+      <p:sp>
+        <p:nvSpPr>
+          <p:cNvPr id="3" name="Inhaltsplatzhalter 2">
+            <a:extLst>
+              <a:ext uri="{FF2B5EF4-FFF2-40B4-BE49-F238E27FC236}">
+                <a16:creationId xmlns:a16="http://schemas.microsoft.com/office/drawing/2014/main" id="{0114480E-9B38-40BC-BD84-670948621F18}"/>
+              </a:ext>
+            </a:extLst>
+          </p:cNvPr>
+          <p:cNvSpPr>
+            <a:spLocks noGrp="1"/>
+          </p:cNvSpPr>
           <p:nvPr>
             <p:ph idx="1"/>
           </p:nvPr>
-        </p:nvPicPr>
-        <p:blipFill rotWithShape="1">
-          <a:blip r:embed="rId2">
-            <a:extLst>
-              <a:ext uri="{28A0092B-C50C-407E-A947-70E740481C1C}">
-                <a14:useLocalDpi xmlns:a14="http://schemas.microsoft.com/office/drawing/2010/main" val="0"/>
-              </a:ext>
-            </a:extLst>
-          </a:blip>
-          <a:srcRect t="-816" b="52798"/>
-          <a:stretch/>
-        </p:blipFill>
-        <p:spPr>
-          <a:xfrm>
-            <a:off x="384325" y="2448431"/>
-            <a:ext cx="5576994" cy="3471171"/>
-          </a:xfrm>
-        </p:spPr>
-      </p:pic>
-      <p:grpSp>
-        <p:nvGrpSpPr>
-          <p:cNvPr id="9" name="Gruppieren 8">
-            <a:extLst>
-              <a:ext uri="{FF2B5EF4-FFF2-40B4-BE49-F238E27FC236}">
-                <a16:creationId xmlns:a16="http://schemas.microsoft.com/office/drawing/2014/main" id="{219A1CE7-E558-4ECD-ADE9-752FD43F2159}"/>
-              </a:ext>
-            </a:extLst>
-          </p:cNvPr>
-          <p:cNvGrpSpPr/>
-          <p:nvPr/>
-        </p:nvGrpSpPr>
-        <p:grpSpPr>
-          <a:xfrm>
-            <a:off x="6347688" y="2448431"/>
-            <a:ext cx="5698569" cy="3916883"/>
-            <a:chOff x="6347688" y="2448431"/>
-            <a:chExt cx="5698569" cy="3916883"/>
-          </a:xfrm>
-        </p:grpSpPr>
-        <p:pic>
-          <p:nvPicPr>
-            <p:cNvPr id="7" name="Inhaltsplatzhalter 4">
-              <a:extLst>
-                <a:ext uri="{FF2B5EF4-FFF2-40B4-BE49-F238E27FC236}">
-                  <a16:creationId xmlns:a16="http://schemas.microsoft.com/office/drawing/2014/main" id="{A3E58647-097A-40D8-9DF5-3CA8A40B57B1}"/>
-                </a:ext>
-              </a:extLst>
-            </p:cNvPr>
-            <p:cNvPicPr>
-              <a:picLocks noChangeAspect="1"/>
-            </p:cNvPicPr>
-            <p:nvPr/>
-          </p:nvPicPr>
-          <p:blipFill rotWithShape="1">
-            <a:blip r:embed="rId3">
-              <a:extLst>
-                <a:ext uri="{28A0092B-C50C-407E-A947-70E740481C1C}">
-                  <a14:useLocalDpi xmlns:a14="http://schemas.microsoft.com/office/drawing/2010/main" val="0"/>
-                </a:ext>
-              </a:extLst>
-            </a:blip>
-            <a:srcRect b="50554"/>
-            <a:stretch/>
-          </p:blipFill>
-          <p:spPr>
-            <a:xfrm>
-              <a:off x="6347688" y="2448431"/>
-              <a:ext cx="5698569" cy="3652331"/>
-            </a:xfrm>
-            <a:prstGeom prst="rect">
-              <a:avLst/>
-            </a:prstGeom>
-          </p:spPr>
-        </p:pic>
-        <p:sp>
-          <p:nvSpPr>
-            <p:cNvPr id="8" name="Textfeld 7">
-              <a:extLst>
-                <a:ext uri="{FF2B5EF4-FFF2-40B4-BE49-F238E27FC236}">
-                  <a16:creationId xmlns:a16="http://schemas.microsoft.com/office/drawing/2014/main" id="{45C8E125-C1ED-48D6-8777-B59F449A5D0F}"/>
-                </a:ext>
-              </a:extLst>
-            </p:cNvPr>
-            <p:cNvSpPr txBox="1"/>
-            <p:nvPr/>
-          </p:nvSpPr>
-          <p:spPr>
-            <a:xfrm>
-              <a:off x="8531441" y="5903649"/>
-              <a:ext cx="1828800" cy="461665"/>
-            </a:xfrm>
-            <a:prstGeom prst="rect">
-              <a:avLst/>
-            </a:prstGeom>
-            <a:noFill/>
-          </p:spPr>
-          <p:txBody>
-            <a:bodyPr wrap="square" rtlCol="0">
-              <a:spAutoFit/>
-            </a:bodyPr>
-            <a:lstStyle/>
-            <a:p>
-              <a:pPr algn="ctr"/>
-              <a:r>
-                <a:rPr lang="de-DE" sz="2400" dirty="0">
-                  <a:latin typeface="+mj-lt"/>
-                  <a:cs typeface="Times New Roman" panose="02020603050405020304" pitchFamily="18" charset="0"/>
-                </a:rPr>
-                <a:t>Gewichte</a:t>
-              </a:r>
-            </a:p>
-          </p:txBody>
-        </p:sp>
-      </p:grpSp>
-      <p:sp>
-        <p:nvSpPr>
-          <p:cNvPr id="10" name="Textfeld 9">
-            <a:extLst>
-              <a:ext uri="{FF2B5EF4-FFF2-40B4-BE49-F238E27FC236}">
-                <a16:creationId xmlns:a16="http://schemas.microsoft.com/office/drawing/2014/main" id="{5B3A1846-3B84-43D8-B83C-BCA17B9D2DBF}"/>
-              </a:ext>
-            </a:extLst>
-          </p:cNvPr>
-          <p:cNvSpPr txBox="1"/>
-          <p:nvPr/>
-        </p:nvSpPr>
-        <p:spPr>
-          <a:xfrm>
-            <a:off x="2584882" y="5905145"/>
-            <a:ext cx="1828800" cy="461665"/>
-          </a:xfrm>
-          <a:prstGeom prst="rect">
-            <a:avLst/>
-          </a:prstGeom>
-          <a:noFill/>
-        </p:spPr>
-        <p:txBody>
-          <a:bodyPr wrap="square" rtlCol="0">
-            <a:spAutoFit/>
-          </a:bodyPr>
-          <a:lstStyle/>
-          <a:p>
-            <a:pPr algn="ctr"/>
-            <a:r>
-              <a:rPr lang="de-DE" sz="2400" dirty="0">
-                <a:latin typeface="+mj-lt"/>
-                <a:cs typeface="Times New Roman" panose="02020603050405020304" pitchFamily="18" charset="0"/>
-              </a:rPr>
-              <a:t>Gewichte</a:t>
-            </a:r>
+        </p:nvSpPr>
+        <p:spPr/>
+        <p:txBody>
+          <a:bodyPr/>
+          <a:lstStyle/>
+          <a:p>
+            <a:r>
+              <a:rPr lang="de-DE" dirty="0" err="1"/>
+              <a:t>of</a:t>
+            </a:r>
+            <a:r>
+              <a:rPr lang="de-DE" dirty="0"/>
+              <a:t> non </a:t>
+            </a:r>
+            <a:r>
+              <a:rPr lang="de-DE" dirty="0" err="1"/>
+              <a:t>regulated</a:t>
+            </a:r>
+            <a:r>
+              <a:rPr lang="de-DE" dirty="0"/>
+              <a:t> linear </a:t>
+            </a:r>
+            <a:r>
+              <a:rPr lang="de-DE" dirty="0" err="1"/>
+              <a:t>model</a:t>
+            </a:r>
+            <a:endParaRPr lang="de-DE" dirty="0"/>
+          </a:p>
+          <a:p>
+            <a:pPr lvl="1"/>
+            <a:r>
+              <a:rPr lang="de-DE" dirty="0"/>
+              <a:t>Zeros </a:t>
+            </a:r>
+            <a:r>
+              <a:rPr lang="de-DE" dirty="0" err="1"/>
+              <a:t>may</a:t>
+            </a:r>
+            <a:r>
+              <a:rPr lang="de-DE" dirty="0"/>
+              <a:t> </a:t>
+            </a:r>
+            <a:r>
+              <a:rPr lang="de-DE" dirty="0" err="1"/>
+              <a:t>cause</a:t>
+            </a:r>
+            <a:r>
+              <a:rPr lang="de-DE" dirty="0"/>
+              <a:t> high </a:t>
+            </a:r>
+            <a:r>
+              <a:rPr lang="de-DE" dirty="0" err="1"/>
+              <a:t>weights</a:t>
+            </a:r>
+            <a:endParaRPr lang="de-DE" dirty="0"/>
+          </a:p>
+          <a:p>
+            <a:pPr lvl="1"/>
+            <a:endParaRPr lang="de-DE" dirty="0"/>
+          </a:p>
+          <a:p>
+            <a:r>
+              <a:rPr lang="de-DE" dirty="0" err="1"/>
+              <a:t>Of</a:t>
+            </a:r>
+            <a:r>
+              <a:rPr lang="de-DE" dirty="0"/>
+              <a:t> all linear </a:t>
+            </a:r>
+            <a:r>
+              <a:rPr lang="de-DE" dirty="0" err="1"/>
+              <a:t>models</a:t>
+            </a:r>
+            <a:endParaRPr lang="de-DE" dirty="0"/>
+          </a:p>
+          <a:p>
+            <a:pPr lvl="1"/>
+            <a:r>
+              <a:rPr lang="de-DE" dirty="0" err="1"/>
+              <a:t>Underlieng</a:t>
+            </a:r>
+            <a:r>
+              <a:rPr lang="de-DE" dirty="0"/>
+              <a:t> </a:t>
+            </a:r>
+            <a:r>
+              <a:rPr lang="de-DE" dirty="0" err="1"/>
+              <a:t>distr</a:t>
+            </a:r>
+            <a:r>
+              <a:rPr lang="de-DE" dirty="0"/>
+              <a:t> </a:t>
+            </a:r>
+            <a:r>
+              <a:rPr lang="de-DE" dirty="0" err="1"/>
+              <a:t>could</a:t>
+            </a:r>
+            <a:r>
+              <a:rPr lang="de-DE" dirty="0"/>
+              <a:t> </a:t>
+            </a:r>
+            <a:r>
+              <a:rPr lang="de-DE" dirty="0" err="1"/>
+              <a:t>be</a:t>
+            </a:r>
+            <a:r>
+              <a:rPr lang="de-DE" dirty="0"/>
+              <a:t> </a:t>
+            </a:r>
+            <a:r>
+              <a:rPr lang="de-DE" dirty="0" err="1"/>
+              <a:t>very</a:t>
+            </a:r>
+            <a:r>
+              <a:rPr lang="de-DE" dirty="0"/>
+              <a:t> </a:t>
+            </a:r>
+            <a:r>
+              <a:rPr lang="de-DE" dirty="0" err="1"/>
+              <a:t>strange</a:t>
+            </a:r>
+            <a:r>
+              <a:rPr lang="de-DE" dirty="0"/>
+              <a:t> </a:t>
+            </a:r>
+          </a:p>
+          <a:p>
+            <a:pPr lvl="2"/>
+            <a:r>
+              <a:rPr lang="de-DE" dirty="0"/>
+              <a:t>Extrem </a:t>
+            </a:r>
+            <a:r>
+              <a:rPr lang="de-DE" dirty="0" err="1"/>
+              <a:t>value</a:t>
+            </a:r>
+            <a:r>
+              <a:rPr lang="de-DE" dirty="0"/>
+              <a:t> </a:t>
+            </a:r>
+            <a:r>
+              <a:rPr lang="de-DE" dirty="0" err="1"/>
+              <a:t>always</a:t>
+            </a:r>
+            <a:r>
+              <a:rPr lang="de-DE" dirty="0"/>
+              <a:t> </a:t>
+            </a:r>
+            <a:r>
+              <a:rPr lang="de-DE" dirty="0" err="1"/>
+              <a:t>when</a:t>
+            </a:r>
+            <a:r>
+              <a:rPr lang="de-DE" dirty="0"/>
+              <a:t> </a:t>
+            </a:r>
+            <a:r>
+              <a:rPr lang="de-DE" dirty="0" err="1"/>
+              <a:t>output</a:t>
+            </a:r>
+            <a:r>
+              <a:rPr lang="de-DE" dirty="0"/>
+              <a:t> </a:t>
+            </a:r>
+            <a:r>
+              <a:rPr lang="de-DE" dirty="0" err="1"/>
+              <a:t>is</a:t>
+            </a:r>
+            <a:r>
+              <a:rPr lang="de-DE" dirty="0"/>
+              <a:t> extrem, </a:t>
+            </a:r>
+            <a:r>
+              <a:rPr lang="de-DE" dirty="0" err="1"/>
+              <a:t>otherwise</a:t>
+            </a:r>
+            <a:r>
+              <a:rPr lang="de-DE" dirty="0"/>
+              <a:t> 0</a:t>
+            </a:r>
+          </a:p>
+          <a:p>
+            <a:pPr lvl="2"/>
+            <a:endParaRPr lang="de-DE" dirty="0"/>
           </a:p>
         </p:txBody>
       </p:sp>
     </p:spTree>
     <p:extLst>
       <p:ext uri="{BB962C8B-B14F-4D97-AF65-F5344CB8AC3E}">
-        <p14:creationId xmlns:p14="http://schemas.microsoft.com/office/powerpoint/2010/main" val="2298247624"/>
+        <p14:creationId xmlns:p14="http://schemas.microsoft.com/office/powerpoint/2010/main" val="621280211"/>
       </p:ext>
     </p:extLst>
   </p:cSld>
@@ -3647,6 +3727,376 @@
           <p:cNvPr id="2" name="Titel 1">
             <a:extLst>
               <a:ext uri="{FF2B5EF4-FFF2-40B4-BE49-F238E27FC236}">
+                <a16:creationId xmlns:a16="http://schemas.microsoft.com/office/drawing/2014/main" id="{82BF0F72-18D1-48BA-97B9-760A21017AE6}"/>
+              </a:ext>
+            </a:extLst>
+          </p:cNvPr>
+          <p:cNvSpPr>
+            <a:spLocks noGrp="1"/>
+          </p:cNvSpPr>
+          <p:nvPr>
+            <p:ph type="title"/>
+          </p:nvPr>
+        </p:nvSpPr>
+        <p:spPr/>
+        <p:txBody>
+          <a:bodyPr/>
+          <a:lstStyle/>
+          <a:p>
+            <a:r>
+              <a:rPr lang="de-DE" dirty="0"/>
+              <a:t>Korrelationen und Gewichte</a:t>
+            </a:r>
+          </a:p>
+        </p:txBody>
+      </p:sp>
+      <p:pic>
+        <p:nvPicPr>
+          <p:cNvPr id="6" name="Inhaltsplatzhalter 5">
+            <a:extLst>
+              <a:ext uri="{FF2B5EF4-FFF2-40B4-BE49-F238E27FC236}">
+                <a16:creationId xmlns:a16="http://schemas.microsoft.com/office/drawing/2014/main" id="{D2C7000F-FF86-492F-A28D-0307C272A2C4}"/>
+              </a:ext>
+            </a:extLst>
+          </p:cNvPr>
+          <p:cNvPicPr>
+            <a:picLocks noGrp="1" noChangeAspect="1"/>
+          </p:cNvPicPr>
+          <p:nvPr>
+            <p:ph idx="1"/>
+          </p:nvPr>
+        </p:nvPicPr>
+        <p:blipFill rotWithShape="1">
+          <a:blip r:embed="rId2">
+            <a:extLst>
+              <a:ext uri="{28A0092B-C50C-407E-A947-70E740481C1C}">
+                <a14:useLocalDpi xmlns:a14="http://schemas.microsoft.com/office/drawing/2010/main" val="0"/>
+              </a:ext>
+            </a:extLst>
+          </a:blip>
+          <a:srcRect t="-816" b="52798"/>
+          <a:stretch/>
+        </p:blipFill>
+        <p:spPr>
+          <a:xfrm>
+            <a:off x="384325" y="2448431"/>
+            <a:ext cx="5576994" cy="3471171"/>
+          </a:xfrm>
+        </p:spPr>
+      </p:pic>
+      <p:sp>
+        <p:nvSpPr>
+          <p:cNvPr id="10" name="Textfeld 9">
+            <a:extLst>
+              <a:ext uri="{FF2B5EF4-FFF2-40B4-BE49-F238E27FC236}">
+                <a16:creationId xmlns:a16="http://schemas.microsoft.com/office/drawing/2014/main" id="{5B3A1846-3B84-43D8-B83C-BCA17B9D2DBF}"/>
+              </a:ext>
+            </a:extLst>
+          </p:cNvPr>
+          <p:cNvSpPr txBox="1"/>
+          <p:nvPr/>
+        </p:nvSpPr>
+        <p:spPr>
+          <a:xfrm>
+            <a:off x="2584882" y="5905145"/>
+            <a:ext cx="1828800" cy="461665"/>
+          </a:xfrm>
+          <a:prstGeom prst="rect">
+            <a:avLst/>
+          </a:prstGeom>
+          <a:noFill/>
+        </p:spPr>
+        <p:txBody>
+          <a:bodyPr wrap="square" rtlCol="0">
+            <a:spAutoFit/>
+          </a:bodyPr>
+          <a:lstStyle/>
+          <a:p>
+            <a:pPr algn="ctr"/>
+            <a:r>
+              <a:rPr lang="de-DE" sz="2400" dirty="0">
+                <a:latin typeface="+mj-lt"/>
+                <a:cs typeface="Times New Roman" panose="02020603050405020304" pitchFamily="18" charset="0"/>
+              </a:rPr>
+              <a:t>Korrelation</a:t>
+            </a:r>
+          </a:p>
+        </p:txBody>
+      </p:sp>
+      <p:cxnSp>
+        <p:nvCxnSpPr>
+          <p:cNvPr id="11" name="Gerader Verbinder 10">
+            <a:extLst>
+              <a:ext uri="{FF2B5EF4-FFF2-40B4-BE49-F238E27FC236}">
+                <a16:creationId xmlns:a16="http://schemas.microsoft.com/office/drawing/2014/main" id="{8E0F5A1C-BE11-4748-BC71-71A90DEC9B38}"/>
+              </a:ext>
+            </a:extLst>
+          </p:cNvPr>
+          <p:cNvCxnSpPr>
+            <a:cxnSpLocks/>
+          </p:cNvCxnSpPr>
+          <p:nvPr/>
+        </p:nvCxnSpPr>
+        <p:spPr>
+          <a:xfrm>
+            <a:off x="2918837" y="2660638"/>
+            <a:ext cx="0" cy="2966732"/>
+          </a:xfrm>
+          <a:prstGeom prst="line">
+            <a:avLst/>
+          </a:prstGeom>
+        </p:spPr>
+        <p:style>
+          <a:lnRef idx="1">
+            <a:schemeClr val="dk1"/>
+          </a:lnRef>
+          <a:fillRef idx="0">
+            <a:schemeClr val="dk1"/>
+          </a:fillRef>
+          <a:effectRef idx="0">
+            <a:schemeClr val="dk1"/>
+          </a:effectRef>
+          <a:fontRef idx="minor">
+            <a:schemeClr val="tx1"/>
+          </a:fontRef>
+        </p:style>
+      </p:cxnSp>
+      <p:grpSp>
+        <p:nvGrpSpPr>
+          <p:cNvPr id="13" name="Gruppieren 12">
+            <a:extLst>
+              <a:ext uri="{FF2B5EF4-FFF2-40B4-BE49-F238E27FC236}">
+                <a16:creationId xmlns:a16="http://schemas.microsoft.com/office/drawing/2014/main" id="{1C731B5E-0D02-4221-9C2B-4DC6B5E87AD5}"/>
+              </a:ext>
+            </a:extLst>
+          </p:cNvPr>
+          <p:cNvGrpSpPr/>
+          <p:nvPr/>
+        </p:nvGrpSpPr>
+        <p:grpSpPr>
+          <a:xfrm>
+            <a:off x="6347688" y="2448431"/>
+            <a:ext cx="5698569" cy="3916883"/>
+            <a:chOff x="6347688" y="2448431"/>
+            <a:chExt cx="5698569" cy="3916883"/>
+          </a:xfrm>
+        </p:grpSpPr>
+        <p:grpSp>
+          <p:nvGrpSpPr>
+            <p:cNvPr id="9" name="Gruppieren 8">
+              <a:extLst>
+                <a:ext uri="{FF2B5EF4-FFF2-40B4-BE49-F238E27FC236}">
+                  <a16:creationId xmlns:a16="http://schemas.microsoft.com/office/drawing/2014/main" id="{219A1CE7-E558-4ECD-ADE9-752FD43F2159}"/>
+                </a:ext>
+              </a:extLst>
+            </p:cNvPr>
+            <p:cNvGrpSpPr/>
+            <p:nvPr/>
+          </p:nvGrpSpPr>
+          <p:grpSpPr>
+            <a:xfrm>
+              <a:off x="6347688" y="2448431"/>
+              <a:ext cx="5698569" cy="3916883"/>
+              <a:chOff x="6347688" y="2448431"/>
+              <a:chExt cx="5698569" cy="3916883"/>
+            </a:xfrm>
+          </p:grpSpPr>
+          <p:pic>
+            <p:nvPicPr>
+              <p:cNvPr id="7" name="Inhaltsplatzhalter 4">
+                <a:extLst>
+                  <a:ext uri="{FF2B5EF4-FFF2-40B4-BE49-F238E27FC236}">
+                    <a16:creationId xmlns:a16="http://schemas.microsoft.com/office/drawing/2014/main" id="{A3E58647-097A-40D8-9DF5-3CA8A40B57B1}"/>
+                  </a:ext>
+                </a:extLst>
+              </p:cNvPr>
+              <p:cNvPicPr>
+                <a:picLocks noChangeAspect="1"/>
+              </p:cNvPicPr>
+              <p:nvPr/>
+            </p:nvPicPr>
+            <p:blipFill rotWithShape="1">
+              <a:blip r:embed="rId3">
+                <a:extLst>
+                  <a:ext uri="{28A0092B-C50C-407E-A947-70E740481C1C}">
+                    <a14:useLocalDpi xmlns:a14="http://schemas.microsoft.com/office/drawing/2010/main" val="0"/>
+                  </a:ext>
+                </a:extLst>
+              </a:blip>
+              <a:srcRect b="50554"/>
+              <a:stretch/>
+            </p:blipFill>
+            <p:spPr>
+              <a:xfrm>
+                <a:off x="6347688" y="2448431"/>
+                <a:ext cx="5698569" cy="3652331"/>
+              </a:xfrm>
+              <a:prstGeom prst="rect">
+                <a:avLst/>
+              </a:prstGeom>
+            </p:spPr>
+          </p:pic>
+          <p:sp>
+            <p:nvSpPr>
+              <p:cNvPr id="8" name="Textfeld 7">
+                <a:extLst>
+                  <a:ext uri="{FF2B5EF4-FFF2-40B4-BE49-F238E27FC236}">
+                    <a16:creationId xmlns:a16="http://schemas.microsoft.com/office/drawing/2014/main" id="{45C8E125-C1ED-48D6-8777-B59F449A5D0F}"/>
+                  </a:ext>
+                </a:extLst>
+              </p:cNvPr>
+              <p:cNvSpPr txBox="1"/>
+              <p:nvPr/>
+            </p:nvSpPr>
+            <p:spPr>
+              <a:xfrm>
+                <a:off x="8531441" y="5903649"/>
+                <a:ext cx="1828800" cy="461665"/>
+              </a:xfrm>
+              <a:prstGeom prst="rect">
+                <a:avLst/>
+              </a:prstGeom>
+              <a:noFill/>
+            </p:spPr>
+            <p:txBody>
+              <a:bodyPr wrap="square" rtlCol="0">
+                <a:spAutoFit/>
+              </a:bodyPr>
+              <a:lstStyle/>
+              <a:p>
+                <a:pPr algn="ctr"/>
+                <a:r>
+                  <a:rPr lang="de-DE" sz="2400" dirty="0">
+                    <a:latin typeface="+mj-lt"/>
+                    <a:cs typeface="Times New Roman" panose="02020603050405020304" pitchFamily="18" charset="0"/>
+                  </a:rPr>
+                  <a:t>Gewichte</a:t>
+                </a:r>
+              </a:p>
+            </p:txBody>
+          </p:sp>
+        </p:grpSp>
+        <p:sp>
+          <p:nvSpPr>
+            <p:cNvPr id="3" name="Rechteck 2">
+              <a:extLst>
+                <a:ext uri="{FF2B5EF4-FFF2-40B4-BE49-F238E27FC236}">
+                  <a16:creationId xmlns:a16="http://schemas.microsoft.com/office/drawing/2014/main" id="{3A78E69E-5F95-4B12-AFFD-1CD5187A4B05}"/>
+                </a:ext>
+              </a:extLst>
+            </p:cNvPr>
+            <p:cNvSpPr/>
+            <p:nvPr/>
+          </p:nvSpPr>
+          <p:spPr>
+            <a:xfrm>
+              <a:off x="11203620" y="2601157"/>
+              <a:ext cx="692458" cy="346229"/>
+            </a:xfrm>
+            <a:prstGeom prst="rect">
+              <a:avLst/>
+            </a:prstGeom>
+            <a:ln>
+              <a:noFill/>
+            </a:ln>
+          </p:spPr>
+          <p:style>
+            <a:lnRef idx="2">
+              <a:schemeClr val="accent6"/>
+            </a:lnRef>
+            <a:fillRef idx="1">
+              <a:schemeClr val="lt1"/>
+            </a:fillRef>
+            <a:effectRef idx="0">
+              <a:schemeClr val="accent6"/>
+            </a:effectRef>
+            <a:fontRef idx="minor">
+              <a:schemeClr val="dk1"/>
+            </a:fontRef>
+          </p:style>
+          <p:txBody>
+            <a:bodyPr rtlCol="0" anchor="ctr"/>
+            <a:lstStyle/>
+            <a:p>
+              <a:pPr algn="ctr"/>
+              <a:endParaRPr lang="de-DE"/>
+            </a:p>
+          </p:txBody>
+        </p:sp>
+        <p:cxnSp>
+          <p:nvCxnSpPr>
+            <p:cNvPr id="12" name="Gerader Verbinder 11">
+              <a:extLst>
+                <a:ext uri="{FF2B5EF4-FFF2-40B4-BE49-F238E27FC236}">
+                  <a16:creationId xmlns:a16="http://schemas.microsoft.com/office/drawing/2014/main" id="{7ADAEE80-ADB5-4D26-9045-A20CE5F6EC1A}"/>
+                </a:ext>
+              </a:extLst>
+            </p:cNvPr>
+            <p:cNvCxnSpPr>
+              <a:cxnSpLocks/>
+            </p:cNvCxnSpPr>
+            <p:nvPr/>
+          </p:nvCxnSpPr>
+          <p:spPr>
+            <a:xfrm>
+              <a:off x="10887833" y="2601157"/>
+              <a:ext cx="0" cy="3026213"/>
+            </a:xfrm>
+            <a:prstGeom prst="line">
+              <a:avLst/>
+            </a:prstGeom>
+          </p:spPr>
+          <p:style>
+            <a:lnRef idx="1">
+              <a:schemeClr val="dk1"/>
+            </a:lnRef>
+            <a:fillRef idx="0">
+              <a:schemeClr val="dk1"/>
+            </a:fillRef>
+            <a:effectRef idx="0">
+              <a:schemeClr val="dk1"/>
+            </a:effectRef>
+            <a:fontRef idx="minor">
+              <a:schemeClr val="tx1"/>
+            </a:fontRef>
+          </p:style>
+        </p:cxnSp>
+      </p:grpSp>
+    </p:spTree>
+    <p:extLst>
+      <p:ext uri="{BB962C8B-B14F-4D97-AF65-F5344CB8AC3E}">
+        <p14:creationId xmlns:p14="http://schemas.microsoft.com/office/powerpoint/2010/main" val="2298247624"/>
+      </p:ext>
+    </p:extLst>
+  </p:cSld>
+  <p:clrMapOvr>
+    <a:masterClrMapping/>
+  </p:clrMapOvr>
+</p:sld>
+</file>
+
+<file path=ppt/slides/slide4.xml><?xml version="1.0" encoding="utf-8"?>
+<p:sld xmlns:a="http://schemas.openxmlformats.org/drawingml/2006/main" xmlns:r="http://schemas.openxmlformats.org/officeDocument/2006/relationships" xmlns:p="http://schemas.openxmlformats.org/presentationml/2006/main">
+  <p:cSld>
+    <p:spTree>
+      <p:nvGrpSpPr>
+        <p:cNvPr id="1" name=""/>
+        <p:cNvGrpSpPr/>
+        <p:nvPr/>
+      </p:nvGrpSpPr>
+      <p:grpSpPr>
+        <a:xfrm>
+          <a:off x="0" y="0"/>
+          <a:ext cx="0" cy="0"/>
+          <a:chOff x="0" y="0"/>
+          <a:chExt cx="0" cy="0"/>
+        </a:xfrm>
+      </p:grpSpPr>
+      <p:sp>
+        <p:nvSpPr>
+          <p:cNvPr id="2" name="Titel 1">
+            <a:extLst>
+              <a:ext uri="{FF2B5EF4-FFF2-40B4-BE49-F238E27FC236}">
                 <a16:creationId xmlns:a16="http://schemas.microsoft.com/office/drawing/2014/main" id="{A4879320-87DC-46DD-A62E-0AEBC731A7CB}"/>
               </a:ext>
             </a:extLst>
@@ -3718,7 +4168,7 @@
         </p:nvGrpSpPr>
         <p:grpSpPr>
           <a:xfrm>
-            <a:off x="133536" y="2573768"/>
+            <a:off x="133536" y="2636254"/>
             <a:ext cx="4304929" cy="3045506"/>
             <a:chOff x="6347688" y="2448431"/>
             <a:chExt cx="5698569" cy="3916883"/>
@@ -3813,7 +4263,7 @@
         </p:nvSpPr>
         <p:spPr>
           <a:xfrm>
-            <a:off x="2096595" y="4425433"/>
+            <a:off x="2212004" y="4159007"/>
             <a:ext cx="1074198" cy="310719"/>
           </a:xfrm>
           <a:prstGeom prst="rightArrow">
@@ -3862,7 +4312,7 @@
         </p:nvSpPr>
         <p:spPr>
           <a:xfrm>
-            <a:off x="2286001" y="3215158"/>
+            <a:off x="2286000" y="3273640"/>
             <a:ext cx="1074198" cy="310719"/>
           </a:xfrm>
           <a:prstGeom prst="rightArrow">
@@ -3897,6 +4347,89 @@
           </a:p>
         </p:txBody>
       </p:sp>
+      <p:sp>
+        <p:nvSpPr>
+          <p:cNvPr id="12" name="Rechteck 11">
+            <a:extLst>
+              <a:ext uri="{FF2B5EF4-FFF2-40B4-BE49-F238E27FC236}">
+                <a16:creationId xmlns:a16="http://schemas.microsoft.com/office/drawing/2014/main" id="{F399C224-1DE3-4292-9580-96B2FDECB3F1}"/>
+              </a:ext>
+            </a:extLst>
+          </p:cNvPr>
+          <p:cNvSpPr/>
+          <p:nvPr/>
+        </p:nvSpPr>
+        <p:spPr>
+          <a:xfrm>
+            <a:off x="3787962" y="2752078"/>
+            <a:ext cx="542278" cy="275208"/>
+          </a:xfrm>
+          <a:prstGeom prst="rect">
+            <a:avLst/>
+          </a:prstGeom>
+          <a:ln>
+            <a:noFill/>
+          </a:ln>
+        </p:spPr>
+        <p:style>
+          <a:lnRef idx="2">
+            <a:schemeClr val="accent6"/>
+          </a:lnRef>
+          <a:fillRef idx="1">
+            <a:schemeClr val="lt1"/>
+          </a:fillRef>
+          <a:effectRef idx="0">
+            <a:schemeClr val="accent6"/>
+          </a:effectRef>
+          <a:fontRef idx="minor">
+            <a:schemeClr val="dk1"/>
+          </a:fontRef>
+        </p:style>
+        <p:txBody>
+          <a:bodyPr rtlCol="0" anchor="ctr"/>
+          <a:lstStyle/>
+          <a:p>
+            <a:pPr algn="ctr"/>
+            <a:endParaRPr lang="de-DE"/>
+          </a:p>
+        </p:txBody>
+      </p:sp>
+      <p:cxnSp>
+        <p:nvCxnSpPr>
+          <p:cNvPr id="4" name="Gerader Verbinder 3">
+            <a:extLst>
+              <a:ext uri="{FF2B5EF4-FFF2-40B4-BE49-F238E27FC236}">
+                <a16:creationId xmlns:a16="http://schemas.microsoft.com/office/drawing/2014/main" id="{37ECC267-778C-4277-B358-19F0A39FF294}"/>
+              </a:ext>
+            </a:extLst>
+          </p:cNvPr>
+          <p:cNvCxnSpPr/>
+          <p:nvPr/>
+        </p:nvCxnSpPr>
+        <p:spPr>
+          <a:xfrm>
+            <a:off x="3556631" y="2752078"/>
+            <a:ext cx="0" cy="2334827"/>
+          </a:xfrm>
+          <a:prstGeom prst="line">
+            <a:avLst/>
+          </a:prstGeom>
+        </p:spPr>
+        <p:style>
+          <a:lnRef idx="1">
+            <a:schemeClr val="dk1"/>
+          </a:lnRef>
+          <a:fillRef idx="0">
+            <a:schemeClr val="dk1"/>
+          </a:fillRef>
+          <a:effectRef idx="0">
+            <a:schemeClr val="dk1"/>
+          </a:effectRef>
+          <a:fontRef idx="minor">
+            <a:schemeClr val="tx1"/>
+          </a:fontRef>
+        </p:style>
+      </p:cxnSp>
     </p:spTree>
     <p:extLst>
       <p:ext uri="{BB962C8B-B14F-4D97-AF65-F5344CB8AC3E}">
@@ -3910,7 +4443,7 @@
 </p:sld>
 </file>
 
-<file path=ppt/slides/slide4.xml><?xml version="1.0" encoding="utf-8"?>
+<file path=ppt/slides/slide5.xml><?xml version="1.0" encoding="utf-8"?>
 <p:sld xmlns:a="http://schemas.openxmlformats.org/drawingml/2006/main" xmlns:r="http://schemas.openxmlformats.org/officeDocument/2006/relationships" xmlns:p="http://schemas.openxmlformats.org/presentationml/2006/main">
   <p:cSld>
     <p:spTree>
